--- a/modules/img/apis-application-layers.pptx
+++ b/modules/img/apis-application-layers.pptx
@@ -108,6 +108,11 @@
       </a:defRPr>
     </a:lvl9pPr>
   </p:defaultTextStyle>
+  <p:extLst>
+    <p:ext uri="{EFAFB233-063F-42B5-8137-9DF3F51BA10A}">
+      <p15:sldGuideLst xmlns:p15="http://schemas.microsoft.com/office/powerpoint/2012/main"/>
+    </p:ext>
+  </p:extLst>
 </p:presentation>
 </file>
 
@@ -193,7 +198,7 @@
           <a:p>
             <a:fld id="{B188550D-472E-E34C-9458-DE54412A527E}" type="datetimeFigureOut">
               <a:rPr lang="en-US" smtClean="0"/>
-              <a:t>5/31/17</a:t>
+              <a:t>8/7/17</a:t>
             </a:fld>
             <a:endParaRPr lang="en-US"/>
           </a:p>
@@ -592,7 +597,7 @@
           <a:p>
             <a:fld id="{C4E8C4DF-24FE-AD49-85B1-395085B98492}" type="datetimeFigureOut">
               <a:rPr lang="en-US" smtClean="0"/>
-              <a:t>5/31/17</a:t>
+              <a:t>8/7/17</a:t>
             </a:fld>
             <a:endParaRPr lang="en-US"/>
           </a:p>
@@ -762,7 +767,7 @@
           <a:p>
             <a:fld id="{C4E8C4DF-24FE-AD49-85B1-395085B98492}" type="datetimeFigureOut">
               <a:rPr lang="en-US" smtClean="0"/>
-              <a:t>5/31/17</a:t>
+              <a:t>8/7/17</a:t>
             </a:fld>
             <a:endParaRPr lang="en-US"/>
           </a:p>
@@ -942,7 +947,7 @@
           <a:p>
             <a:fld id="{C4E8C4DF-24FE-AD49-85B1-395085B98492}" type="datetimeFigureOut">
               <a:rPr lang="en-US" smtClean="0"/>
-              <a:t>5/31/17</a:t>
+              <a:t>8/7/17</a:t>
             </a:fld>
             <a:endParaRPr lang="en-US"/>
           </a:p>
@@ -1112,7 +1117,7 @@
           <a:p>
             <a:fld id="{C4E8C4DF-24FE-AD49-85B1-395085B98492}" type="datetimeFigureOut">
               <a:rPr lang="en-US" smtClean="0"/>
-              <a:t>5/31/17</a:t>
+              <a:t>8/7/17</a:t>
             </a:fld>
             <a:endParaRPr lang="en-US"/>
           </a:p>
@@ -1358,7 +1363,7 @@
           <a:p>
             <a:fld id="{C4E8C4DF-24FE-AD49-85B1-395085B98492}" type="datetimeFigureOut">
               <a:rPr lang="en-US" smtClean="0"/>
-              <a:t>5/31/17</a:t>
+              <a:t>8/7/17</a:t>
             </a:fld>
             <a:endParaRPr lang="en-US"/>
           </a:p>
@@ -1590,7 +1595,7 @@
           <a:p>
             <a:fld id="{C4E8C4DF-24FE-AD49-85B1-395085B98492}" type="datetimeFigureOut">
               <a:rPr lang="en-US" smtClean="0"/>
-              <a:t>5/31/17</a:t>
+              <a:t>8/7/17</a:t>
             </a:fld>
             <a:endParaRPr lang="en-US"/>
           </a:p>
@@ -1957,7 +1962,7 @@
           <a:p>
             <a:fld id="{C4E8C4DF-24FE-AD49-85B1-395085B98492}" type="datetimeFigureOut">
               <a:rPr lang="en-US" smtClean="0"/>
-              <a:t>5/31/17</a:t>
+              <a:t>8/7/17</a:t>
             </a:fld>
             <a:endParaRPr lang="en-US"/>
           </a:p>
@@ -2075,7 +2080,7 @@
           <a:p>
             <a:fld id="{C4E8C4DF-24FE-AD49-85B1-395085B98492}" type="datetimeFigureOut">
               <a:rPr lang="en-US" smtClean="0"/>
-              <a:t>5/31/17</a:t>
+              <a:t>8/7/17</a:t>
             </a:fld>
             <a:endParaRPr lang="en-US"/>
           </a:p>
@@ -2170,7 +2175,7 @@
           <a:p>
             <a:fld id="{C4E8C4DF-24FE-AD49-85B1-395085B98492}" type="datetimeFigureOut">
               <a:rPr lang="en-US" smtClean="0"/>
-              <a:t>5/31/17</a:t>
+              <a:t>8/7/17</a:t>
             </a:fld>
             <a:endParaRPr lang="en-US"/>
           </a:p>
@@ -2447,7 +2452,7 @@
           <a:p>
             <a:fld id="{C4E8C4DF-24FE-AD49-85B1-395085B98492}" type="datetimeFigureOut">
               <a:rPr lang="en-US" smtClean="0"/>
-              <a:t>5/31/17</a:t>
+              <a:t>8/7/17</a:t>
             </a:fld>
             <a:endParaRPr lang="en-US"/>
           </a:p>
@@ -2700,7 +2705,7 @@
           <a:p>
             <a:fld id="{C4E8C4DF-24FE-AD49-85B1-395085B98492}" type="datetimeFigureOut">
               <a:rPr lang="en-US" smtClean="0"/>
-              <a:t>5/31/17</a:t>
+              <a:t>8/7/17</a:t>
             </a:fld>
             <a:endParaRPr lang="en-US"/>
           </a:p>
@@ -2913,7 +2918,7 @@
           <a:p>
             <a:fld id="{C4E8C4DF-24FE-AD49-85B1-395085B98492}" type="datetimeFigureOut">
               <a:rPr lang="en-US" smtClean="0"/>
-              <a:t>5/31/17</a:t>
+              <a:t>8/7/17</a:t>
             </a:fld>
             <a:endParaRPr lang="en-US"/>
           </a:p>
@@ -3375,7 +3380,20 @@
                   </a:schemeClr>
                 </a:solidFill>
               </a:rPr>
-              <a:t>Ephemeral API</a:t>
+              <a:t>Private</a:t>
+            </a:r>
+          </a:p>
+          <a:p>
+            <a:pPr algn="ctr"/>
+            <a:r>
+              <a:rPr lang="en-US" sz="2000" dirty="0" smtClean="0">
+                <a:solidFill>
+                  <a:schemeClr val="accent1">
+                    <a:lumMod val="75000"/>
+                  </a:schemeClr>
+                </a:solidFill>
+              </a:rPr>
+              <a:t>API</a:t>
             </a:r>
             <a:endParaRPr lang="en-US" sz="2000" dirty="0">
               <a:solidFill>
@@ -3444,8 +3462,11 @@
                   </a:schemeClr>
                 </a:solidFill>
               </a:rPr>
-              <a:t>Ephemeral </a:t>
-            </a:r>
+              <a:t>Private</a:t>
+            </a:r>
+          </a:p>
+          <a:p>
+            <a:pPr algn="ctr"/>
             <a:r>
               <a:rPr lang="en-US" sz="2000" dirty="0" smtClean="0">
                 <a:solidFill>
@@ -3523,8 +3544,11 @@
                   </a:schemeClr>
                 </a:solidFill>
               </a:rPr>
-              <a:t>Ephemeral </a:t>
-            </a:r>
+              <a:t>Private</a:t>
+            </a:r>
+          </a:p>
+          <a:p>
+            <a:pPr algn="ctr"/>
             <a:r>
               <a:rPr lang="en-US" sz="2000" dirty="0" smtClean="0">
                 <a:solidFill>
@@ -3602,8 +3626,11 @@
                   </a:schemeClr>
                 </a:solidFill>
               </a:rPr>
-              <a:t>Ephemeral </a:t>
-            </a:r>
+              <a:t>Private</a:t>
+            </a:r>
+          </a:p>
+          <a:p>
+            <a:pPr algn="ctr"/>
             <a:r>
               <a:rPr lang="en-US" sz="2000" dirty="0" smtClean="0">
                 <a:solidFill>
@@ -3681,7 +3708,7 @@
                   </a:schemeClr>
                 </a:solidFill>
               </a:rPr>
-              <a:t>Experience API</a:t>
+              <a:t>Public API</a:t>
             </a:r>
             <a:endParaRPr lang="en-US" sz="2400" dirty="0">
               <a:solidFill>

--- a/modules/img/apis-application-layers.pptx
+++ b/modules/img/apis-application-layers.pptx
@@ -198,7 +198,7 @@
           <a:p>
             <a:fld id="{B188550D-472E-E34C-9458-DE54412A527E}" type="datetimeFigureOut">
               <a:rPr lang="en-US" smtClean="0"/>
-              <a:t>8/7/17</a:t>
+              <a:t>9/25/17</a:t>
             </a:fld>
             <a:endParaRPr lang="en-US"/>
           </a:p>
@@ -597,7 +597,7 @@
           <a:p>
             <a:fld id="{C4E8C4DF-24FE-AD49-85B1-395085B98492}" type="datetimeFigureOut">
               <a:rPr lang="en-US" smtClean="0"/>
-              <a:t>8/7/17</a:t>
+              <a:t>9/25/17</a:t>
             </a:fld>
             <a:endParaRPr lang="en-US"/>
           </a:p>
@@ -767,7 +767,7 @@
           <a:p>
             <a:fld id="{C4E8C4DF-24FE-AD49-85B1-395085B98492}" type="datetimeFigureOut">
               <a:rPr lang="en-US" smtClean="0"/>
-              <a:t>8/7/17</a:t>
+              <a:t>9/25/17</a:t>
             </a:fld>
             <a:endParaRPr lang="en-US"/>
           </a:p>
@@ -947,7 +947,7 @@
           <a:p>
             <a:fld id="{C4E8C4DF-24FE-AD49-85B1-395085B98492}" type="datetimeFigureOut">
               <a:rPr lang="en-US" smtClean="0"/>
-              <a:t>8/7/17</a:t>
+              <a:t>9/25/17</a:t>
             </a:fld>
             <a:endParaRPr lang="en-US"/>
           </a:p>
@@ -1117,7 +1117,7 @@
           <a:p>
             <a:fld id="{C4E8C4DF-24FE-AD49-85B1-395085B98492}" type="datetimeFigureOut">
               <a:rPr lang="en-US" smtClean="0"/>
-              <a:t>8/7/17</a:t>
+              <a:t>9/25/17</a:t>
             </a:fld>
             <a:endParaRPr lang="en-US"/>
           </a:p>
@@ -1363,7 +1363,7 @@
           <a:p>
             <a:fld id="{C4E8C4DF-24FE-AD49-85B1-395085B98492}" type="datetimeFigureOut">
               <a:rPr lang="en-US" smtClean="0"/>
-              <a:t>8/7/17</a:t>
+              <a:t>9/25/17</a:t>
             </a:fld>
             <a:endParaRPr lang="en-US"/>
           </a:p>
@@ -1595,7 +1595,7 @@
           <a:p>
             <a:fld id="{C4E8C4DF-24FE-AD49-85B1-395085B98492}" type="datetimeFigureOut">
               <a:rPr lang="en-US" smtClean="0"/>
-              <a:t>8/7/17</a:t>
+              <a:t>9/25/17</a:t>
             </a:fld>
             <a:endParaRPr lang="en-US"/>
           </a:p>
@@ -1962,7 +1962,7 @@
           <a:p>
             <a:fld id="{C4E8C4DF-24FE-AD49-85B1-395085B98492}" type="datetimeFigureOut">
               <a:rPr lang="en-US" smtClean="0"/>
-              <a:t>8/7/17</a:t>
+              <a:t>9/25/17</a:t>
             </a:fld>
             <a:endParaRPr lang="en-US"/>
           </a:p>
@@ -2080,7 +2080,7 @@
           <a:p>
             <a:fld id="{C4E8C4DF-24FE-AD49-85B1-395085B98492}" type="datetimeFigureOut">
               <a:rPr lang="en-US" smtClean="0"/>
-              <a:t>8/7/17</a:t>
+              <a:t>9/25/17</a:t>
             </a:fld>
             <a:endParaRPr lang="en-US"/>
           </a:p>
@@ -2175,7 +2175,7 @@
           <a:p>
             <a:fld id="{C4E8C4DF-24FE-AD49-85B1-395085B98492}" type="datetimeFigureOut">
               <a:rPr lang="en-US" smtClean="0"/>
-              <a:t>8/7/17</a:t>
+              <a:t>9/25/17</a:t>
             </a:fld>
             <a:endParaRPr lang="en-US"/>
           </a:p>
@@ -2452,7 +2452,7 @@
           <a:p>
             <a:fld id="{C4E8C4DF-24FE-AD49-85B1-395085B98492}" type="datetimeFigureOut">
               <a:rPr lang="en-US" smtClean="0"/>
-              <a:t>8/7/17</a:t>
+              <a:t>9/25/17</a:t>
             </a:fld>
             <a:endParaRPr lang="en-US"/>
           </a:p>
@@ -2705,7 +2705,7 @@
           <a:p>
             <a:fld id="{C4E8C4DF-24FE-AD49-85B1-395085B98492}" type="datetimeFigureOut">
               <a:rPr lang="en-US" smtClean="0"/>
-              <a:t>8/7/17</a:t>
+              <a:t>9/25/17</a:t>
             </a:fld>
             <a:endParaRPr lang="en-US"/>
           </a:p>
@@ -2918,7 +2918,7 @@
           <a:p>
             <a:fld id="{C4E8C4DF-24FE-AD49-85B1-395085B98492}" type="datetimeFigureOut">
               <a:rPr lang="en-US" smtClean="0"/>
-              <a:t>8/7/17</a:t>
+              <a:t>9/25/17</a:t>
             </a:fld>
             <a:endParaRPr lang="en-US"/>
           </a:p>
@@ -3708,7 +3708,7 @@
                   </a:schemeClr>
                 </a:solidFill>
               </a:rPr>
-              <a:t>Public API</a:t>
+              <a:t>Experience API</a:t>
             </a:r>
             <a:endParaRPr lang="en-US" sz="2400" dirty="0">
               <a:solidFill>
@@ -3898,6 +3898,13 @@
   <p:clrMapOvr>
     <a:masterClrMapping/>
   </p:clrMapOvr>
+  <p:timing>
+    <p:tnLst>
+      <p:par>
+        <p:cTn id="1" dur="indefinite" restart="never" nodeType="tmRoot"/>
+      </p:par>
+    </p:tnLst>
+  </p:timing>
 </p:sld>
 </file>
 
@@ -4442,6 +4449,13 @@
   <p:clrMapOvr>
     <a:masterClrMapping/>
   </p:clrMapOvr>
+  <p:timing>
+    <p:tnLst>
+      <p:par>
+        <p:cTn id="1" dur="indefinite" restart="never" nodeType="tmRoot"/>
+      </p:par>
+    </p:tnLst>
+  </p:timing>
 </p:sld>
 </file>
 
